--- a/Documentation/2-Progress_Meeting/Slides_Progress_Meeting.pptx
+++ b/Documentation/2-Progress_Meeting/Slides_Progress_Meeting.pptx
@@ -207,7 +207,7 @@
           <a:p>
             <a:fld id="{2659049E-3D54-45B5-BF3B-BFF758B9E782}" type="datetimeFigureOut">
               <a:rPr lang="es-ES" smtClean="0"/>
-              <a:t>18/05/2020</a:t>
+              <a:t>19/05/2020</a:t>
             </a:fld>
             <a:endParaRPr lang="es-ES"/>
           </a:p>
@@ -637,7 +637,7 @@
           <a:p>
             <a:fld id="{79F67597-A808-470D-9C3B-8986C1B1D83E}" type="datetime1">
               <a:rPr lang="es-ES" smtClean="0"/>
-              <a:t>18/05/2020</a:t>
+              <a:t>19/05/2020</a:t>
             </a:fld>
             <a:endParaRPr lang="en-US" dirty="0"/>
           </a:p>
@@ -807,7 +807,7 @@
           <a:p>
             <a:fld id="{45E67A7F-3E90-4DEE-ABA2-4349680425A4}" type="datetime1">
               <a:rPr lang="es-ES" smtClean="0"/>
-              <a:t>18/05/2020</a:t>
+              <a:t>19/05/2020</a:t>
             </a:fld>
             <a:endParaRPr lang="en-US" dirty="0"/>
           </a:p>
@@ -986,7 +986,7 @@
           <a:p>
             <a:fld id="{956FAC87-166E-4700-A6EE-A9D673E17862}" type="datetime1">
               <a:rPr lang="es-ES" smtClean="0"/>
-              <a:t>18/05/2020</a:t>
+              <a:t>19/05/2020</a:t>
             </a:fld>
             <a:endParaRPr lang="en-US" dirty="0"/>
           </a:p>
@@ -1155,7 +1155,7 @@
           <a:p>
             <a:fld id="{F7E0107D-9A2E-420A-9771-9531B6747518}" type="datetime1">
               <a:rPr lang="es-ES" smtClean="0"/>
-              <a:t>18/05/2020</a:t>
+              <a:t>19/05/2020</a:t>
             </a:fld>
             <a:endParaRPr lang="en-US" dirty="0"/>
           </a:p>
@@ -1423,7 +1423,7 @@
           <a:p>
             <a:fld id="{D6A998AD-BA56-4601-ADD0-168D7FDC0833}" type="datetime1">
               <a:rPr lang="es-ES" smtClean="0"/>
-              <a:t>18/05/2020</a:t>
+              <a:t>19/05/2020</a:t>
             </a:fld>
             <a:endParaRPr lang="en-US" dirty="0"/>
           </a:p>
@@ -1655,7 +1655,7 @@
           <a:p>
             <a:fld id="{4D147294-565C-4953-9CC7-4A067F6F52DD}" type="datetime1">
               <a:rPr lang="es-ES" smtClean="0"/>
-              <a:t>18/05/2020</a:t>
+              <a:t>19/05/2020</a:t>
             </a:fld>
             <a:endParaRPr lang="en-US" dirty="0"/>
           </a:p>
@@ -2013,7 +2013,7 @@
           <a:p>
             <a:fld id="{759E0006-9A45-4051-8AFD-33BE22C7389B}" type="datetime1">
               <a:rPr lang="es-ES" smtClean="0"/>
-              <a:t>18/05/2020</a:t>
+              <a:t>19/05/2020</a:t>
             </a:fld>
             <a:endParaRPr lang="en-US" dirty="0"/>
           </a:p>
@@ -2153,7 +2153,7 @@
           <a:p>
             <a:fld id="{A52C6132-50E9-4552-8249-BEC9739D039C}" type="datetime1">
               <a:rPr lang="es-ES" smtClean="0"/>
-              <a:t>18/05/2020</a:t>
+              <a:t>19/05/2020</a:t>
             </a:fld>
             <a:endParaRPr lang="en-US" dirty="0"/>
           </a:p>
@@ -2247,7 +2247,7 @@
           <a:p>
             <a:fld id="{6EE3EF1E-522D-43E1-B5E9-4276689B6883}" type="datetime1">
               <a:rPr lang="es-ES" smtClean="0"/>
-              <a:t>18/05/2020</a:t>
+              <a:t>19/05/2020</a:t>
             </a:fld>
             <a:endParaRPr lang="en-US" dirty="0"/>
           </a:p>
@@ -2603,7 +2603,7 @@
           <a:p>
             <a:fld id="{06EEB562-F548-40A7-A326-95AA78E482DD}" type="datetime1">
               <a:rPr lang="es-ES" smtClean="0"/>
-              <a:t>18/05/2020</a:t>
+              <a:t>19/05/2020</a:t>
             </a:fld>
             <a:endParaRPr lang="en-US" dirty="0"/>
           </a:p>
@@ -2959,7 +2959,7 @@
           <a:p>
             <a:fld id="{30348CF9-83E1-4670-9F47-3DC6624BF3FF}" type="datetime1">
               <a:rPr lang="es-ES" smtClean="0"/>
-              <a:t>18/05/2020</a:t>
+              <a:t>19/05/2020</a:t>
             </a:fld>
             <a:endParaRPr lang="en-US" dirty="0"/>
           </a:p>
@@ -3200,7 +3200,7 @@
           <a:p>
             <a:fld id="{595C58D6-414F-4212-92B8-03D002C09538}" type="datetime1">
               <a:rPr lang="es-ES" smtClean="0"/>
-              <a:t>18/05/2020</a:t>
+              <a:t>19/05/2020</a:t>
             </a:fld>
             <a:endParaRPr lang="en-US" dirty="0"/>
           </a:p>
@@ -13960,7 +13960,7 @@
         </p:nvGrpSpPr>
         <p:grpSpPr>
           <a:xfrm>
-            <a:off x="7373832" y="2772616"/>
+            <a:off x="7373832" y="2547534"/>
             <a:ext cx="4093672" cy="2909453"/>
             <a:chOff x="1261603" y="401527"/>
             <a:chExt cx="8012271" cy="5694478"/>
@@ -15006,6 +15006,266 @@
               </a:rPr>
               <a:t>[2]</a:t>
             </a:r>
+          </a:p>
+        </p:txBody>
+      </p:sp>
+      <p:sp>
+        <p:nvSpPr>
+          <p:cNvPr id="17" name="Marcador de contenido 2">
+            <a:extLst>
+              <a:ext uri="{FF2B5EF4-FFF2-40B4-BE49-F238E27FC236}">
+                <a16:creationId xmlns:a16="http://schemas.microsoft.com/office/drawing/2014/main" id="{496CD480-E63E-405F-8B52-AF2D6515A5BD}"/>
+              </a:ext>
+            </a:extLst>
+          </p:cNvPr>
+          <p:cNvSpPr txBox="1">
+            <a:spLocks/>
+          </p:cNvSpPr>
+          <p:nvPr/>
+        </p:nvSpPr>
+        <p:spPr>
+          <a:xfrm>
+            <a:off x="7015692" y="5373047"/>
+            <a:ext cx="4956313" cy="499554"/>
+          </a:xfrm>
+          <a:prstGeom prst="rect">
+            <a:avLst/>
+          </a:prstGeom>
+        </p:spPr>
+        <p:txBody>
+          <a:bodyPr vert="horz" lIns="91440" tIns="45720" rIns="91440" bIns="45720" rtlCol="0">
+            <a:normAutofit/>
+          </a:bodyPr>
+          <a:lstStyle>
+            <a:lvl1pPr marL="228600" indent="-228600" algn="l" defTabSz="914400" rtl="0" eaLnBrk="1" latinLnBrk="0" hangingPunct="1">
+              <a:lnSpc>
+                <a:spcPct val="100000"/>
+              </a:lnSpc>
+              <a:spcBef>
+                <a:spcPts val="1000"/>
+              </a:spcBef>
+              <a:buClr>
+                <a:schemeClr val="accent2"/>
+              </a:buClr>
+              <a:buFont typeface="Arial" panose="020B0604020202020204" pitchFamily="34" charset="0"/>
+              <a:buChar char="•"/>
+              <a:defRPr sz="1800" kern="1200">
+                <a:solidFill>
+                  <a:schemeClr val="tx1">
+                    <a:lumMod val="85000"/>
+                    <a:lumOff val="15000"/>
+                  </a:schemeClr>
+                </a:solidFill>
+                <a:latin typeface="+mn-lt"/>
+                <a:ea typeface="+mn-ea"/>
+                <a:cs typeface="+mn-cs"/>
+              </a:defRPr>
+            </a:lvl1pPr>
+            <a:lvl2pPr marL="457200" indent="-228600" algn="l" defTabSz="914400" rtl="0" eaLnBrk="1" latinLnBrk="0" hangingPunct="1">
+              <a:lnSpc>
+                <a:spcPct val="100000"/>
+              </a:lnSpc>
+              <a:spcBef>
+                <a:spcPts val="1000"/>
+              </a:spcBef>
+              <a:buClr>
+                <a:schemeClr val="accent2"/>
+              </a:buClr>
+              <a:buFont typeface="Arial" panose="020B0604020202020204" pitchFamily="34" charset="0"/>
+              <a:buChar char="•"/>
+              <a:defRPr sz="1600" kern="1200">
+                <a:solidFill>
+                  <a:schemeClr val="tx1">
+                    <a:lumMod val="85000"/>
+                    <a:lumOff val="15000"/>
+                  </a:schemeClr>
+                </a:solidFill>
+                <a:latin typeface="+mn-lt"/>
+                <a:ea typeface="+mn-ea"/>
+                <a:cs typeface="+mn-cs"/>
+              </a:defRPr>
+            </a:lvl2pPr>
+            <a:lvl3pPr marL="685800" indent="-228600" algn="l" defTabSz="914400" rtl="0" eaLnBrk="1" latinLnBrk="0" hangingPunct="1">
+              <a:lnSpc>
+                <a:spcPct val="100000"/>
+              </a:lnSpc>
+              <a:spcBef>
+                <a:spcPts val="1000"/>
+              </a:spcBef>
+              <a:buClr>
+                <a:schemeClr val="accent2"/>
+              </a:buClr>
+              <a:buFont typeface="Arial" panose="020B0604020202020204" pitchFamily="34" charset="0"/>
+              <a:buChar char="•"/>
+              <a:defRPr sz="1600" kern="1200">
+                <a:solidFill>
+                  <a:schemeClr val="tx1">
+                    <a:lumMod val="85000"/>
+                    <a:lumOff val="15000"/>
+                  </a:schemeClr>
+                </a:solidFill>
+                <a:latin typeface="+mn-lt"/>
+                <a:ea typeface="+mn-ea"/>
+                <a:cs typeface="+mn-cs"/>
+              </a:defRPr>
+            </a:lvl3pPr>
+            <a:lvl4pPr marL="914400" indent="-228600" algn="l" defTabSz="914400" rtl="0" eaLnBrk="1" latinLnBrk="0" hangingPunct="1">
+              <a:lnSpc>
+                <a:spcPct val="100000"/>
+              </a:lnSpc>
+              <a:spcBef>
+                <a:spcPts val="1000"/>
+              </a:spcBef>
+              <a:buClr>
+                <a:schemeClr val="accent2"/>
+              </a:buClr>
+              <a:buFont typeface="Arial" panose="020B0604020202020204" pitchFamily="34" charset="0"/>
+              <a:buChar char="•"/>
+              <a:defRPr sz="1600" kern="1200">
+                <a:solidFill>
+                  <a:schemeClr val="tx1">
+                    <a:lumMod val="85000"/>
+                    <a:lumOff val="15000"/>
+                  </a:schemeClr>
+                </a:solidFill>
+                <a:latin typeface="+mn-lt"/>
+                <a:ea typeface="+mn-ea"/>
+                <a:cs typeface="+mn-cs"/>
+              </a:defRPr>
+            </a:lvl4pPr>
+            <a:lvl5pPr marL="1143000" indent="-228600" algn="l" defTabSz="914400" rtl="0" eaLnBrk="1" latinLnBrk="0" hangingPunct="1">
+              <a:lnSpc>
+                <a:spcPct val="100000"/>
+              </a:lnSpc>
+              <a:spcBef>
+                <a:spcPts val="1000"/>
+              </a:spcBef>
+              <a:buClr>
+                <a:schemeClr val="accent2"/>
+              </a:buClr>
+              <a:buFont typeface="Arial" panose="020B0604020202020204" pitchFamily="34" charset="0"/>
+              <a:buChar char="•"/>
+              <a:defRPr sz="1600" kern="1200">
+                <a:solidFill>
+                  <a:schemeClr val="tx1">
+                    <a:lumMod val="85000"/>
+                    <a:lumOff val="15000"/>
+                  </a:schemeClr>
+                </a:solidFill>
+                <a:latin typeface="+mn-lt"/>
+                <a:ea typeface="+mn-ea"/>
+                <a:cs typeface="+mn-cs"/>
+              </a:defRPr>
+            </a:lvl5pPr>
+            <a:lvl6pPr marL="1312863" indent="-228600" algn="l" defTabSz="914400" rtl="0" eaLnBrk="1" latinLnBrk="0" hangingPunct="1">
+              <a:lnSpc>
+                <a:spcPct val="100000"/>
+              </a:lnSpc>
+              <a:spcBef>
+                <a:spcPts val="1000"/>
+              </a:spcBef>
+              <a:buClr>
+                <a:schemeClr val="accent2"/>
+              </a:buClr>
+              <a:buFont typeface="Arial" panose="020B0604020202020204" pitchFamily="34" charset="0"/>
+              <a:buChar char="•"/>
+              <a:defRPr sz="1600" kern="1200">
+                <a:solidFill>
+                  <a:schemeClr val="tx1"/>
+                </a:solidFill>
+                <a:latin typeface="+mn-lt"/>
+                <a:ea typeface="+mn-ea"/>
+                <a:cs typeface="+mn-cs"/>
+              </a:defRPr>
+            </a:lvl6pPr>
+            <a:lvl7pPr marL="1484313" indent="-228600" algn="l" defTabSz="914400" rtl="0" eaLnBrk="1" latinLnBrk="0" hangingPunct="1">
+              <a:lnSpc>
+                <a:spcPct val="100000"/>
+              </a:lnSpc>
+              <a:spcBef>
+                <a:spcPts val="1000"/>
+              </a:spcBef>
+              <a:buClr>
+                <a:schemeClr val="accent2"/>
+              </a:buClr>
+              <a:buFont typeface="Arial" panose="020B0604020202020204" pitchFamily="34" charset="0"/>
+              <a:buChar char="•"/>
+              <a:defRPr sz="1600" kern="1200">
+                <a:solidFill>
+                  <a:schemeClr val="tx1"/>
+                </a:solidFill>
+                <a:latin typeface="+mn-lt"/>
+                <a:ea typeface="+mn-ea"/>
+                <a:cs typeface="+mn-cs"/>
+              </a:defRPr>
+            </a:lvl7pPr>
+            <a:lvl8pPr marL="1657350" indent="-228600" algn="l" defTabSz="914400" rtl="0" eaLnBrk="1" latinLnBrk="0" hangingPunct="1">
+              <a:lnSpc>
+                <a:spcPct val="100000"/>
+              </a:lnSpc>
+              <a:spcBef>
+                <a:spcPts val="1000"/>
+              </a:spcBef>
+              <a:buClr>
+                <a:schemeClr val="accent2"/>
+              </a:buClr>
+              <a:buFont typeface="Arial" panose="020B0604020202020204" pitchFamily="34" charset="0"/>
+              <a:buChar char="•"/>
+              <a:defRPr sz="1600" kern="1200" baseline="0">
+                <a:solidFill>
+                  <a:schemeClr val="tx1"/>
+                </a:solidFill>
+                <a:latin typeface="+mn-lt"/>
+                <a:ea typeface="+mn-ea"/>
+                <a:cs typeface="+mn-cs"/>
+              </a:defRPr>
+            </a:lvl8pPr>
+            <a:lvl9pPr marL="1882775" indent="-228600" algn="l" defTabSz="914400" rtl="0" eaLnBrk="1" latinLnBrk="0" hangingPunct="1">
+              <a:lnSpc>
+                <a:spcPct val="100000"/>
+              </a:lnSpc>
+              <a:spcBef>
+                <a:spcPts val="1000"/>
+              </a:spcBef>
+              <a:buClr>
+                <a:schemeClr val="accent2"/>
+              </a:buClr>
+              <a:buFont typeface="Arial" panose="020B0604020202020204" pitchFamily="34" charset="0"/>
+              <a:buChar char="•"/>
+              <a:defRPr sz="1600" kern="1200" baseline="0">
+                <a:solidFill>
+                  <a:schemeClr val="tx1"/>
+                </a:solidFill>
+                <a:latin typeface="+mn-lt"/>
+                <a:ea typeface="+mn-ea"/>
+                <a:cs typeface="+mn-cs"/>
+              </a:defRPr>
+            </a:lvl9pPr>
+          </a:lstStyle>
+          <a:p>
+            <a:pPr marL="0" indent="0" algn="ctr">
+              <a:buClr>
+                <a:schemeClr val="accent2">
+                  <a:lumMod val="50000"/>
+                </a:schemeClr>
+              </a:buClr>
+              <a:buNone/>
+            </a:pPr>
+            <a:r>
+              <a:rPr lang="en-GB" sz="1400" dirty="0">
+                <a:latin typeface="Bahnschrift" panose="020B0502040204020203" pitchFamily="34" charset="0"/>
+              </a:rPr>
+              <a:t>Fig. 2: </a:t>
+            </a:r>
+            <a:r>
+              <a:rPr lang="en-US" sz="1400" dirty="0">
+                <a:latin typeface="Bahnschrift" panose="020B0502040204020203" pitchFamily="34" charset="0"/>
+              </a:rPr>
+              <a:t>Bending moment distribution along wing span</a:t>
+            </a:r>
+            <a:endParaRPr lang="en-GB" sz="1400" dirty="0">
+              <a:latin typeface="Bahnschrift" panose="020B0502040204020203" pitchFamily="34" charset="0"/>
+            </a:endParaRPr>
           </a:p>
         </p:txBody>
       </p:sp>
